--- a/企画系資料/面接用パワポ.pptx
+++ b/企画系資料/面接用パワポ.pptx
@@ -263,7 +263,7 @@
           <a:p>
             <a:fld id="{EFC6D268-1FB7-4337-9056-E290B7117C83}" type="datetimeFigureOut">
               <a:rPr kumimoji="1" lang="ja-JP" altLang="en-US" smtClean="0"/>
-              <a:t>2024/2/3</a:t>
+              <a:t>2024/2/4</a:t>
             </a:fld>
             <a:endParaRPr kumimoji="1" lang="ja-JP" altLang="en-US"/>
           </a:p>
@@ -493,7 +493,7 @@
           <a:p>
             <a:fld id="{EFC6D268-1FB7-4337-9056-E290B7117C83}" type="datetimeFigureOut">
               <a:rPr kumimoji="1" lang="ja-JP" altLang="en-US" smtClean="0"/>
-              <a:t>2024/2/3</a:t>
+              <a:t>2024/2/4</a:t>
             </a:fld>
             <a:endParaRPr kumimoji="1" lang="ja-JP" altLang="en-US"/>
           </a:p>
@@ -733,7 +733,7 @@
           <a:p>
             <a:fld id="{EFC6D268-1FB7-4337-9056-E290B7117C83}" type="datetimeFigureOut">
               <a:rPr kumimoji="1" lang="ja-JP" altLang="en-US" smtClean="0"/>
-              <a:t>2024/2/3</a:t>
+              <a:t>2024/2/4</a:t>
             </a:fld>
             <a:endParaRPr kumimoji="1" lang="ja-JP" altLang="en-US"/>
           </a:p>
@@ -963,7 +963,7 @@
           <a:p>
             <a:fld id="{EFC6D268-1FB7-4337-9056-E290B7117C83}" type="datetimeFigureOut">
               <a:rPr kumimoji="1" lang="ja-JP" altLang="en-US" smtClean="0"/>
-              <a:t>2024/2/3</a:t>
+              <a:t>2024/2/4</a:t>
             </a:fld>
             <a:endParaRPr kumimoji="1" lang="ja-JP" altLang="en-US"/>
           </a:p>
@@ -1238,7 +1238,7 @@
           <a:p>
             <a:fld id="{EFC6D268-1FB7-4337-9056-E290B7117C83}" type="datetimeFigureOut">
               <a:rPr kumimoji="1" lang="ja-JP" altLang="en-US" smtClean="0"/>
-              <a:t>2024/2/3</a:t>
+              <a:t>2024/2/4</a:t>
             </a:fld>
             <a:endParaRPr kumimoji="1" lang="ja-JP" altLang="en-US"/>
           </a:p>
@@ -1567,7 +1567,7 @@
           <a:p>
             <a:fld id="{EFC6D268-1FB7-4337-9056-E290B7117C83}" type="datetimeFigureOut">
               <a:rPr kumimoji="1" lang="ja-JP" altLang="en-US" smtClean="0"/>
-              <a:t>2024/2/3</a:t>
+              <a:t>2024/2/4</a:t>
             </a:fld>
             <a:endParaRPr kumimoji="1" lang="ja-JP" altLang="en-US"/>
           </a:p>
@@ -2043,7 +2043,7 @@
           <a:p>
             <a:fld id="{EFC6D268-1FB7-4337-9056-E290B7117C83}" type="datetimeFigureOut">
               <a:rPr kumimoji="1" lang="ja-JP" altLang="en-US" smtClean="0"/>
-              <a:t>2024/2/3</a:t>
+              <a:t>2024/2/4</a:t>
             </a:fld>
             <a:endParaRPr kumimoji="1" lang="ja-JP" altLang="en-US"/>
           </a:p>
@@ -2184,7 +2184,7 @@
           <a:p>
             <a:fld id="{EFC6D268-1FB7-4337-9056-E290B7117C83}" type="datetimeFigureOut">
               <a:rPr kumimoji="1" lang="ja-JP" altLang="en-US" smtClean="0"/>
-              <a:t>2024/2/3</a:t>
+              <a:t>2024/2/4</a:t>
             </a:fld>
             <a:endParaRPr kumimoji="1" lang="ja-JP" altLang="en-US"/>
           </a:p>
@@ -2297,7 +2297,7 @@
           <a:p>
             <a:fld id="{EFC6D268-1FB7-4337-9056-E290B7117C83}" type="datetimeFigureOut">
               <a:rPr kumimoji="1" lang="ja-JP" altLang="en-US" smtClean="0"/>
-              <a:t>2024/2/3</a:t>
+              <a:t>2024/2/4</a:t>
             </a:fld>
             <a:endParaRPr kumimoji="1" lang="ja-JP" altLang="en-US"/>
           </a:p>
@@ -2640,7 +2640,7 @@
           <a:p>
             <a:fld id="{EFC6D268-1FB7-4337-9056-E290B7117C83}" type="datetimeFigureOut">
               <a:rPr kumimoji="1" lang="ja-JP" altLang="en-US" smtClean="0"/>
-              <a:t>2024/2/3</a:t>
+              <a:t>2024/2/4</a:t>
             </a:fld>
             <a:endParaRPr kumimoji="1" lang="ja-JP" altLang="en-US"/>
           </a:p>
@@ -2928,7 +2928,7 @@
           <a:p>
             <a:fld id="{EFC6D268-1FB7-4337-9056-E290B7117C83}" type="datetimeFigureOut">
               <a:rPr kumimoji="1" lang="ja-JP" altLang="en-US" smtClean="0"/>
-              <a:t>2024/2/3</a:t>
+              <a:t>2024/2/4</a:t>
             </a:fld>
             <a:endParaRPr kumimoji="1" lang="ja-JP" altLang="en-US"/>
           </a:p>
@@ -3201,7 +3201,7 @@
           <a:p>
             <a:fld id="{EFC6D268-1FB7-4337-9056-E290B7117C83}" type="datetimeFigureOut">
               <a:rPr kumimoji="1" lang="ja-JP" altLang="en-US" smtClean="0"/>
-              <a:t>2024/2/3</a:t>
+              <a:t>2024/2/4</a:t>
             </a:fld>
             <a:endParaRPr kumimoji="1" lang="ja-JP" altLang="en-US"/>
           </a:p>
@@ -3668,8 +3668,8 @@
         </p:nvSpPr>
         <p:spPr>
           <a:xfrm>
-            <a:off x="1370987" y="4066565"/>
-            <a:ext cx="9450024" cy="1938992"/>
+            <a:off x="1370987" y="3689060"/>
+            <a:ext cx="9450023" cy="1569660"/>
           </a:xfrm>
           <a:prstGeom prst="rect">
             <a:avLst/>
@@ -3681,14 +3681,6 @@
             <a:spAutoFit/>
           </a:bodyPr>
           <a:lstStyle/>
-          <a:p>
-            <a:pPr algn="ctr"/>
-            <a:r>
-              <a:rPr lang="ja-JP" altLang="en-US" sz="2400" dirty="0"/>
-              <a:t>制作者：金崎朋弥</a:t>
-            </a:r>
-            <a:endParaRPr lang="en-US" altLang="ja-JP" sz="2400" dirty="0"/>
-          </a:p>
           <a:p>
             <a:pPr algn="ctr"/>
             <a:r>
@@ -4078,8 +4070,8 @@
         </p:nvSpPr>
         <p:spPr>
           <a:xfrm>
-            <a:off x="2752635" y="197345"/>
-            <a:ext cx="6686726" cy="1052615"/>
+            <a:off x="2497644" y="188956"/>
+            <a:ext cx="7196708" cy="1052615"/>
           </a:xfrm>
         </p:spPr>
         <p:txBody>
@@ -4093,7 +4085,7 @@
                 <a:latin typeface="BIZ UDゴシック" panose="020B0400000000000000" pitchFamily="49" charset="-128"/>
                 <a:ea typeface="BIZ UDゴシック" panose="020B0400000000000000" pitchFamily="49" charset="-128"/>
               </a:rPr>
-              <a:t>こだわりポイント１</a:t>
+              <a:t>こだわりプログラム０</a:t>
             </a:r>
             <a:endParaRPr kumimoji="1" lang="ja-JP" altLang="en-US" sz="6000" b="1" dirty="0">
               <a:latin typeface="BIZ UDゴシック" panose="020B0400000000000000" pitchFamily="49" charset="-128"/>
@@ -4215,8 +4207,8 @@
         </p:nvSpPr>
         <p:spPr>
           <a:xfrm>
-            <a:off x="2752635" y="197345"/>
-            <a:ext cx="6686726" cy="1052615"/>
+            <a:off x="2485062" y="314791"/>
+            <a:ext cx="7221875" cy="1052615"/>
           </a:xfrm>
         </p:spPr>
         <p:txBody>
@@ -4230,7 +4222,7 @@
                 <a:latin typeface="BIZ UDゴシック" panose="020B0400000000000000" pitchFamily="49" charset="-128"/>
                 <a:ea typeface="BIZ UDゴシック" panose="020B0400000000000000" pitchFamily="49" charset="-128"/>
               </a:rPr>
-              <a:t>こだわりポイント２</a:t>
+              <a:t>こだわりプログラム１</a:t>
             </a:r>
             <a:endParaRPr kumimoji="1" lang="ja-JP" altLang="en-US" sz="6000" b="1" dirty="0">
               <a:latin typeface="BIZ UDゴシック" panose="020B0400000000000000" pitchFamily="49" charset="-128"/>
